--- a/Later/Spring/8_Spring_EL/15/Spring EL Lists_Annotation.pptx
+++ b/Later/Spring/8_Spring_EL/15/Spring EL Lists_Annotation.pptx
@@ -4632,7 +4632,7 @@
       </p:sp>
       <p:pic>
         <p:nvPicPr>
-          <p:cNvPr id="1026" name="Picture 2"/>
+          <p:cNvPr id="1027" name="Picture 3"/>
           <p:cNvPicPr>
             <a:picLocks noChangeAspect="1" noChangeArrowheads="1"/>
           </p:cNvPicPr>
@@ -4640,52 +4640,6 @@
         </p:nvPicPr>
         <p:blipFill>
           <a:blip r:embed="rId3">
-            <a:extLst>
-              <a:ext uri="{28A0092B-C50C-407E-A947-70E740481C1C}">
-                <a14:useLocalDpi xmlns:a14="http://schemas.microsoft.com/office/drawing/2010/main" val="0"/>
-              </a:ext>
-            </a:extLst>
-          </a:blip>
-          <a:srcRect/>
-          <a:stretch>
-            <a:fillRect/>
-          </a:stretch>
-        </p:blipFill>
-        <p:spPr bwMode="auto">
-          <a:xfrm>
-            <a:off x="127000" y="465139"/>
-            <a:ext cx="5816600" cy="2811461"/>
-          </a:xfrm>
-          <a:prstGeom prst="rect">
-            <a:avLst/>
-          </a:prstGeom>
-          <a:ln/>
-        </p:spPr>
-        <p:style>
-          <a:lnRef idx="1">
-            <a:schemeClr val="accent4"/>
-          </a:lnRef>
-          <a:fillRef idx="3">
-            <a:schemeClr val="accent4"/>
-          </a:fillRef>
-          <a:effectRef idx="2">
-            <a:schemeClr val="accent4"/>
-          </a:effectRef>
-          <a:fontRef idx="minor">
-            <a:schemeClr val="lt1"/>
-          </a:fontRef>
-        </p:style>
-      </p:pic>
-      <p:pic>
-        <p:nvPicPr>
-          <p:cNvPr id="1027" name="Picture 3"/>
-          <p:cNvPicPr>
-            <a:picLocks noChangeAspect="1" noChangeArrowheads="1"/>
-          </p:cNvPicPr>
-          <p:nvPr/>
-        </p:nvPicPr>
-        <p:blipFill>
-          <a:blip r:embed="rId4">
             <a:extLst>
               <a:ext uri="{28A0092B-C50C-407E-A947-70E740481C1C}">
                 <a14:useLocalDpi xmlns:a14="http://schemas.microsoft.com/office/drawing/2010/main" val="0"/>
@@ -4719,6 +4673,52 @@
           </a:effectRef>
           <a:fontRef idx="minor">
             <a:schemeClr val="lt1"/>
+          </a:fontRef>
+        </p:style>
+      </p:pic>
+      <p:pic>
+        <p:nvPicPr>
+          <p:cNvPr id="5" name="Picture 2"/>
+          <p:cNvPicPr>
+            <a:picLocks noChangeAspect="1" noChangeArrowheads="1"/>
+          </p:cNvPicPr>
+          <p:nvPr/>
+        </p:nvPicPr>
+        <p:blipFill>
+          <a:blip r:embed="rId4">
+            <a:extLst>
+              <a:ext uri="{28A0092B-C50C-407E-A947-70E740481C1C}">
+                <a14:useLocalDpi xmlns:a14="http://schemas.microsoft.com/office/drawing/2010/main" val="0"/>
+              </a:ext>
+            </a:extLst>
+          </a:blip>
+          <a:srcRect/>
+          <a:stretch>
+            <a:fillRect/>
+          </a:stretch>
+        </p:blipFill>
+        <p:spPr bwMode="auto">
+          <a:xfrm>
+            <a:off x="120650" y="446088"/>
+            <a:ext cx="5054600" cy="2837475"/>
+          </a:xfrm>
+          <a:prstGeom prst="rect">
+            <a:avLst/>
+          </a:prstGeom>
+          <a:ln/>
+        </p:spPr>
+        <p:style>
+          <a:lnRef idx="1">
+            <a:schemeClr val="accent4"/>
+          </a:lnRef>
+          <a:fillRef idx="2">
+            <a:schemeClr val="accent4"/>
+          </a:fillRef>
+          <a:effectRef idx="1">
+            <a:schemeClr val="accent4"/>
+          </a:effectRef>
+          <a:fontRef idx="minor">
+            <a:schemeClr val="dk1"/>
           </a:fontRef>
         </p:style>
       </p:pic>
